--- a/AWS_SAMを使ったサーバレスアプリ開発.pptx
+++ b/AWS_SAMを使ったサーバレスアプリ開発.pptx
@@ -13,12 +13,11 @@
     <p:sldId id="271" r:id="rId7"/>
     <p:sldId id="272" r:id="rId8"/>
     <p:sldId id="273" r:id="rId9"/>
-    <p:sldId id="274" r:id="rId10"/>
-    <p:sldId id="275" r:id="rId11"/>
-    <p:sldId id="267" r:id="rId12"/>
-    <p:sldId id="268" r:id="rId13"/>
-    <p:sldId id="269" r:id="rId14"/>
-    <p:sldId id="270" r:id="rId15"/>
+    <p:sldId id="275" r:id="rId10"/>
+    <p:sldId id="267" r:id="rId11"/>
+    <p:sldId id="268" r:id="rId12"/>
+    <p:sldId id="269" r:id="rId13"/>
+    <p:sldId id="270" r:id="rId14"/>
   </p:sldIdLst>
   <p:sldSz cx="12192000" cy="6858000"/>
   <p:notesSz cx="6858000" cy="9144000"/>
@@ -4566,36 +4565,6 @@
           <a:chExt cx="0" cy="0"/>
         </a:xfrm>
       </p:grpSpPr>
-    </p:spTree>
-    <p:extLst>
-      <p:ext uri="{BB962C8B-B14F-4D97-AF65-F5344CB8AC3E}">
-        <p14:creationId xmlns:p14="http://schemas.microsoft.com/office/powerpoint/2010/main" val="2002050926"/>
-      </p:ext>
-    </p:extLst>
-  </p:cSld>
-  <p:clrMapOvr>
-    <a:masterClrMapping/>
-  </p:clrMapOvr>
-</p:sld>
-</file>
-
-<file path=ppt/slides/slide11.xml><?xml version="1.0" encoding="utf-8"?>
-<p:sld xmlns:a="http://schemas.openxmlformats.org/drawingml/2006/main" xmlns:r="http://schemas.openxmlformats.org/officeDocument/2006/relationships" xmlns:p="http://schemas.openxmlformats.org/presentationml/2006/main">
-  <p:cSld>
-    <p:spTree>
-      <p:nvGrpSpPr>
-        <p:cNvPr id="1" name=""/>
-        <p:cNvGrpSpPr/>
-        <p:nvPr/>
-      </p:nvGrpSpPr>
-      <p:grpSpPr>
-        <a:xfrm>
-          <a:off x="0" y="0"/>
-          <a:ext cx="0" cy="0"/>
-          <a:chOff x="0" y="0"/>
-          <a:chExt cx="0" cy="0"/>
-        </a:xfrm>
-      </p:grpSpPr>
       <p:sp>
         <p:nvSpPr>
           <p:cNvPr id="6" name="テキスト ボックス 5">
@@ -5968,7 +5937,7 @@
 </p:sld>
 </file>
 
-<file path=ppt/slides/slide12.xml><?xml version="1.0" encoding="utf-8"?>
+<file path=ppt/slides/slide11.xml><?xml version="1.0" encoding="utf-8"?>
 <p:sld xmlns:a="http://schemas.openxmlformats.org/drawingml/2006/main" xmlns:r="http://schemas.openxmlformats.org/officeDocument/2006/relationships" xmlns:p="http://schemas.openxmlformats.org/presentationml/2006/main">
   <p:cSld>
     <p:spTree>
@@ -7717,7 +7686,7 @@
 </p:sld>
 </file>
 
-<file path=ppt/slides/slide13.xml><?xml version="1.0" encoding="utf-8"?>
+<file path=ppt/slides/slide12.xml><?xml version="1.0" encoding="utf-8"?>
 <p:sld xmlns:a="http://schemas.openxmlformats.org/drawingml/2006/main" xmlns:r="http://schemas.openxmlformats.org/officeDocument/2006/relationships" xmlns:p="http://schemas.openxmlformats.org/presentationml/2006/main">
   <p:cSld>
     <p:spTree>
@@ -9070,7 +9039,7 @@
 </p:sld>
 </file>
 
-<file path=ppt/slides/slide14.xml><?xml version="1.0" encoding="utf-8"?>
+<file path=ppt/slides/slide13.xml><?xml version="1.0" encoding="utf-8"?>
 <p:sld xmlns:a="http://schemas.openxmlformats.org/drawingml/2006/main" xmlns:r="http://schemas.openxmlformats.org/officeDocument/2006/relationships" xmlns:p="http://schemas.openxmlformats.org/presentationml/2006/main">
   <p:cSld>
     <p:spTree>
@@ -12156,35 +12125,6 @@
           <a:chExt cx="0" cy="0"/>
         </a:xfrm>
       </p:grpSpPr>
-      <p:pic>
-        <p:nvPicPr>
-          <p:cNvPr id="5" name="図 4">
-            <a:extLst>
-              <a:ext uri="{FF2B5EF4-FFF2-40B4-BE49-F238E27FC236}">
-                <a16:creationId xmlns:a16="http://schemas.microsoft.com/office/drawing/2014/main" id="{B3EF7184-A29E-1E69-A5D9-38C87EE4EF22}"/>
-              </a:ext>
-            </a:extLst>
-          </p:cNvPr>
-          <p:cNvPicPr>
-            <a:picLocks noChangeAspect="1"/>
-          </p:cNvPicPr>
-          <p:nvPr/>
-        </p:nvPicPr>
-        <p:blipFill rotWithShape="1">
-          <a:blip r:embed="rId2"/>
-          <a:srcRect l="-363" t="14776" b="9648"/>
-          <a:stretch/>
-        </p:blipFill>
-        <p:spPr>
-          <a:xfrm>
-            <a:off x="879566" y="1541416"/>
-            <a:ext cx="9640388" cy="4537167"/>
-          </a:xfrm>
-          <a:prstGeom prst="rect">
-            <a:avLst/>
-          </a:prstGeom>
-        </p:spPr>
-      </p:pic>
       <p:sp>
         <p:nvSpPr>
           <p:cNvPr id="6" name="テキスト ボックス 5">
@@ -12220,6 +12160,35 @@
           </a:p>
         </p:txBody>
       </p:sp>
+      <p:pic>
+        <p:nvPicPr>
+          <p:cNvPr id="3" name="図 2">
+            <a:extLst>
+              <a:ext uri="{FF2B5EF4-FFF2-40B4-BE49-F238E27FC236}">
+                <a16:creationId xmlns:a16="http://schemas.microsoft.com/office/drawing/2014/main" id="{0D255231-3230-F466-1661-7DD0C6700B50}"/>
+              </a:ext>
+            </a:extLst>
+          </p:cNvPr>
+          <p:cNvPicPr>
+            <a:picLocks noChangeAspect="1"/>
+          </p:cNvPicPr>
+          <p:nvPr/>
+        </p:nvPicPr>
+        <p:blipFill>
+          <a:blip r:embed="rId2"/>
+          <a:srcRect l="25" t="14435" b="4342"/>
+          <a:stretch/>
+        </p:blipFill>
+        <p:spPr>
+          <a:xfrm>
+            <a:off x="528505" y="1116834"/>
+            <a:ext cx="10970004" cy="5570291"/>
+          </a:xfrm>
+          <a:prstGeom prst="rect">
+            <a:avLst/>
+          </a:prstGeom>
+        </p:spPr>
+      </p:pic>
     </p:spTree>
     <p:extLst>
       <p:ext uri="{BB962C8B-B14F-4D97-AF65-F5344CB8AC3E}">
@@ -12250,35 +12219,6 @@
           <a:chExt cx="0" cy="0"/>
         </a:xfrm>
       </p:grpSpPr>
-      <p:pic>
-        <p:nvPicPr>
-          <p:cNvPr id="3" name="図 2">
-            <a:extLst>
-              <a:ext uri="{FF2B5EF4-FFF2-40B4-BE49-F238E27FC236}">
-                <a16:creationId xmlns:a16="http://schemas.microsoft.com/office/drawing/2014/main" id="{2157A295-FEAB-AB23-FACC-4EFF192082C5}"/>
-              </a:ext>
-            </a:extLst>
-          </p:cNvPr>
-          <p:cNvPicPr>
-            <a:picLocks noChangeAspect="1"/>
-          </p:cNvPicPr>
-          <p:nvPr/>
-        </p:nvPicPr>
-        <p:blipFill rotWithShape="1">
-          <a:blip r:embed="rId2"/>
-          <a:srcRect t="14222" b="9587"/>
-          <a:stretch/>
-        </p:blipFill>
-        <p:spPr>
-          <a:xfrm>
-            <a:off x="879566" y="1489165"/>
-            <a:ext cx="10972801" cy="5225143"/>
-          </a:xfrm>
-          <a:prstGeom prst="rect">
-            <a:avLst/>
-          </a:prstGeom>
-        </p:spPr>
-      </p:pic>
       <p:sp>
         <p:nvSpPr>
           <p:cNvPr id="4" name="テキスト ボックス 3">
@@ -12322,6 +12262,35 @@
           </a:p>
         </p:txBody>
       </p:sp>
+      <p:pic>
+        <p:nvPicPr>
+          <p:cNvPr id="5" name="図 4">
+            <a:extLst>
+              <a:ext uri="{FF2B5EF4-FFF2-40B4-BE49-F238E27FC236}">
+                <a16:creationId xmlns:a16="http://schemas.microsoft.com/office/drawing/2014/main" id="{825743B5-050C-F069-B6A0-2F5D0C2FFB99}"/>
+              </a:ext>
+            </a:extLst>
+          </p:cNvPr>
+          <p:cNvPicPr>
+            <a:picLocks noChangeAspect="1"/>
+          </p:cNvPicPr>
+          <p:nvPr/>
+        </p:nvPicPr>
+        <p:blipFill>
+          <a:blip r:embed="rId2"/>
+          <a:srcRect l="255" t="14924" b="4587"/>
+          <a:stretch/>
+        </p:blipFill>
+        <p:spPr>
+          <a:xfrm>
+            <a:off x="528505" y="1116834"/>
+            <a:ext cx="10944837" cy="5519957"/>
+          </a:xfrm>
+          <a:prstGeom prst="rect">
+            <a:avLst/>
+          </a:prstGeom>
+        </p:spPr>
+      </p:pic>
     </p:spTree>
     <p:extLst>
       <p:ext uri="{BB962C8B-B14F-4D97-AF65-F5344CB8AC3E}">
@@ -12352,35 +12321,6 @@
           <a:chExt cx="0" cy="0"/>
         </a:xfrm>
       </p:grpSpPr>
-      <p:pic>
-        <p:nvPicPr>
-          <p:cNvPr id="3" name="図 2">
-            <a:extLst>
-              <a:ext uri="{FF2B5EF4-FFF2-40B4-BE49-F238E27FC236}">
-                <a16:creationId xmlns:a16="http://schemas.microsoft.com/office/drawing/2014/main" id="{E0217363-325F-8618-2D6B-0E21FE2F38DA}"/>
-              </a:ext>
-            </a:extLst>
-          </p:cNvPr>
-          <p:cNvPicPr>
-            <a:picLocks noChangeAspect="1"/>
-          </p:cNvPicPr>
-          <p:nvPr/>
-        </p:nvPicPr>
-        <p:blipFill rotWithShape="1">
-          <a:blip r:embed="rId2"/>
-          <a:srcRect t="14350" b="9460"/>
-          <a:stretch/>
-        </p:blipFill>
-        <p:spPr>
-          <a:xfrm>
-            <a:off x="879566" y="1541416"/>
-            <a:ext cx="10972801" cy="5225143"/>
-          </a:xfrm>
-          <a:prstGeom prst="rect">
-            <a:avLst/>
-          </a:prstGeom>
-        </p:spPr>
-      </p:pic>
       <p:sp>
         <p:nvSpPr>
           <p:cNvPr id="4" name="テキスト ボックス 3">
@@ -12395,8 +12335,8 @@
         </p:nvSpPr>
         <p:spPr>
           <a:xfrm>
-            <a:off x="528505" y="470503"/>
-            <a:ext cx="5367198" cy="646331"/>
+            <a:off x="528504" y="470503"/>
+            <a:ext cx="6803473" cy="646331"/>
           </a:xfrm>
           <a:prstGeom prst="rect">
             <a:avLst/>
@@ -12411,19 +12351,40 @@
           <a:p>
             <a:r>
               <a:rPr kumimoji="1" lang="ja-JP" altLang="en-US" sz="3600" dirty="0"/>
-              <a:t>作成した</a:t>
-            </a:r>
-            <a:r>
-              <a:rPr kumimoji="1" lang="en-US" altLang="ja-JP" sz="3600" dirty="0"/>
-              <a:t>S3</a:t>
-            </a:r>
-            <a:r>
-              <a:rPr kumimoji="1" lang="ja-JP" altLang="en-US" sz="3600" dirty="0"/>
-              <a:t>バケット</a:t>
+              <a:t>ファイルを置く</a:t>
             </a:r>
           </a:p>
         </p:txBody>
       </p:sp>
+      <p:pic>
+        <p:nvPicPr>
+          <p:cNvPr id="5" name="図 4">
+            <a:extLst>
+              <a:ext uri="{FF2B5EF4-FFF2-40B4-BE49-F238E27FC236}">
+                <a16:creationId xmlns:a16="http://schemas.microsoft.com/office/drawing/2014/main" id="{8BFE92D5-B3D9-EE94-1BCB-0833C75F9661}"/>
+              </a:ext>
+            </a:extLst>
+          </p:cNvPr>
+          <p:cNvPicPr>
+            <a:picLocks noChangeAspect="1"/>
+          </p:cNvPicPr>
+          <p:nvPr/>
+        </p:nvPicPr>
+        <p:blipFill>
+          <a:blip r:embed="rId2"/>
+          <a:srcRect l="178" t="15030" r="1" b="4832"/>
+          <a:stretch/>
+        </p:blipFill>
+        <p:spPr>
+          <a:xfrm>
+            <a:off x="528504" y="1116834"/>
+            <a:ext cx="10953226" cy="5495888"/>
+          </a:xfrm>
+          <a:prstGeom prst="rect">
+            <a:avLst/>
+          </a:prstGeom>
+        </p:spPr>
+      </p:pic>
     </p:spTree>
     <p:extLst>
       <p:ext uri="{BB962C8B-B14F-4D97-AF65-F5344CB8AC3E}">
@@ -12454,41 +12415,12 @@
           <a:chExt cx="0" cy="0"/>
         </a:xfrm>
       </p:grpSpPr>
-      <p:pic>
-        <p:nvPicPr>
-          <p:cNvPr id="3" name="図 2">
-            <a:extLst>
-              <a:ext uri="{FF2B5EF4-FFF2-40B4-BE49-F238E27FC236}">
-                <a16:creationId xmlns:a16="http://schemas.microsoft.com/office/drawing/2014/main" id="{5F2F81A0-F909-7125-FFDC-DEF1ACB16490}"/>
-              </a:ext>
-            </a:extLst>
-          </p:cNvPr>
-          <p:cNvPicPr>
-            <a:picLocks noChangeAspect="1"/>
-          </p:cNvPicPr>
-          <p:nvPr/>
-        </p:nvPicPr>
-        <p:blipFill rotWithShape="1">
-          <a:blip r:embed="rId2"/>
-          <a:srcRect t="14858" b="9587"/>
-          <a:stretch/>
-        </p:blipFill>
-        <p:spPr>
-          <a:xfrm>
-            <a:off x="879566" y="1541416"/>
-            <a:ext cx="10972801" cy="5181601"/>
-          </a:xfrm>
-          <a:prstGeom prst="rect">
-            <a:avLst/>
-          </a:prstGeom>
-        </p:spPr>
-      </p:pic>
       <p:sp>
         <p:nvSpPr>
-          <p:cNvPr id="4" name="テキスト ボックス 3">
-            <a:extLst>
-              <a:ext uri="{FF2B5EF4-FFF2-40B4-BE49-F238E27FC236}">
-                <a16:creationId xmlns:a16="http://schemas.microsoft.com/office/drawing/2014/main" id="{F271407A-AF51-47CD-0214-2D95DA16888D}"/>
+          <p:cNvPr id="2" name="テキスト ボックス 1">
+            <a:extLst>
+              <a:ext uri="{FF2B5EF4-FFF2-40B4-BE49-F238E27FC236}">
+                <a16:creationId xmlns:a16="http://schemas.microsoft.com/office/drawing/2014/main" id="{E9A79CFF-FACA-4780-E9C3-72D4446AF1F0}"/>
               </a:ext>
             </a:extLst>
           </p:cNvPr>
@@ -12497,8 +12429,8 @@
         </p:nvSpPr>
         <p:spPr>
           <a:xfrm>
-            <a:off x="528505" y="470503"/>
-            <a:ext cx="5367198" cy="646331"/>
+            <a:off x="528504" y="470503"/>
+            <a:ext cx="8548384" cy="646331"/>
           </a:xfrm>
           <a:prstGeom prst="rect">
             <a:avLst/>
@@ -12513,15 +12445,44 @@
           <a:p>
             <a:r>
               <a:rPr kumimoji="1" lang="ja-JP" altLang="en-US" sz="3600" dirty="0"/>
-              <a:t>ファイルをアップロード</a:t>
+              <a:t>加工後ファイルがアップロードされる</a:t>
             </a:r>
           </a:p>
         </p:txBody>
       </p:sp>
+      <p:pic>
+        <p:nvPicPr>
+          <p:cNvPr id="4" name="図 3">
+            <a:extLst>
+              <a:ext uri="{FF2B5EF4-FFF2-40B4-BE49-F238E27FC236}">
+                <a16:creationId xmlns:a16="http://schemas.microsoft.com/office/drawing/2014/main" id="{416D62C8-2E56-A1E4-9696-29D8DDA6AE60}"/>
+              </a:ext>
+            </a:extLst>
+          </p:cNvPr>
+          <p:cNvPicPr>
+            <a:picLocks noChangeAspect="1"/>
+          </p:cNvPicPr>
+          <p:nvPr/>
+        </p:nvPicPr>
+        <p:blipFill>
+          <a:blip r:embed="rId2"/>
+          <a:srcRect l="25" t="15152" b="4466"/>
+          <a:stretch/>
+        </p:blipFill>
+        <p:spPr>
+          <a:xfrm>
+            <a:off x="528504" y="1191236"/>
+            <a:ext cx="10970004" cy="5512665"/>
+          </a:xfrm>
+          <a:prstGeom prst="rect">
+            <a:avLst/>
+          </a:prstGeom>
+        </p:spPr>
+      </p:pic>
     </p:spTree>
     <p:extLst>
       <p:ext uri="{BB962C8B-B14F-4D97-AF65-F5344CB8AC3E}">
-        <p14:creationId xmlns:p14="http://schemas.microsoft.com/office/powerpoint/2010/main" val="1796233578"/>
+        <p14:creationId xmlns:p14="http://schemas.microsoft.com/office/powerpoint/2010/main" val="2002050926"/>
       </p:ext>
     </p:extLst>
   </p:cSld>
